--- a/material/artefakte/Gruppe12_SpezifikationspräsentationZ2.pptx
+++ b/material/artefakte/Gruppe12_SpezifikationspräsentationZ2.pptx
@@ -11270,7 +11270,7 @@
         </p:nvSpPr>
         <p:spPr>
           <a:xfrm>
-            <a:off x="2246313" y="2867025"/>
+            <a:off x="963613" y="2906712"/>
             <a:ext cx="7772400" cy="1500188"/>
           </a:xfrm>
         </p:spPr>
@@ -11280,11 +11280,18 @@
           <a:p>
             <a:pPr eaLnBrk="1" hangingPunct="1"/>
             <a:r>
+              <a:rPr lang="en-US" altLang="en-US" dirty="0" err="1">
+                <a:latin typeface="Verdana" panose="020B0604030504040204" pitchFamily="34" charset="0"/>
+                <a:cs typeface="Verdana" panose="020B0604030504040204" pitchFamily="34" charset="0"/>
+              </a:rPr>
+              <a:t>Kapitel</a:t>
+            </a:r>
+            <a:r>
               <a:rPr lang="en-US" altLang="en-US" dirty="0">
                 <a:latin typeface="Verdana" panose="020B0604030504040204" pitchFamily="34" charset="0"/>
                 <a:cs typeface="Verdana" panose="020B0604030504040204" pitchFamily="34" charset="0"/>
               </a:rPr>
-              <a:t>Kapitel 1.4:</a:t>
+              <a:t> 1.2:</a:t>
             </a:r>
           </a:p>
         </p:txBody>
@@ -17536,7 +17543,7 @@
         </p:nvSpPr>
         <p:spPr>
           <a:xfrm>
-            <a:off x="2246313" y="2867025"/>
+            <a:off x="963613" y="2824984"/>
             <a:ext cx="7772400" cy="1500188"/>
           </a:xfrm>
         </p:spPr>
@@ -17546,11 +17553,18 @@
           <a:p>
             <a:pPr eaLnBrk="1" hangingPunct="1"/>
             <a:r>
+              <a:rPr lang="en-US" altLang="en-US" dirty="0" err="1">
+                <a:latin typeface="Verdana" panose="020B0604030504040204" pitchFamily="34" charset="0"/>
+                <a:cs typeface="Verdana" panose="020B0604030504040204" pitchFamily="34" charset="0"/>
+              </a:rPr>
+              <a:t>Kapitel</a:t>
+            </a:r>
+            <a:r>
               <a:rPr lang="en-US" altLang="en-US" dirty="0">
                 <a:latin typeface="Verdana" panose="020B0604030504040204" pitchFamily="34" charset="0"/>
                 <a:cs typeface="Verdana" panose="020B0604030504040204" pitchFamily="34" charset="0"/>
               </a:rPr>
-              <a:t>Kapitel 2.4:</a:t>
+              <a:t> 2.2:</a:t>
             </a:r>
           </a:p>
         </p:txBody>
@@ -19865,6 +19879,12 @@
             <a:r>
               <a:rPr lang="de-DE" dirty="0"/>
               <a:t>3. Bewertung</a:t>
+            </a:r>
+          </a:p>
+          <a:p>
+            <a:r>
+              <a:rPr lang="de-DE" dirty="0"/>
+              <a:t>4. Architekturentwurf</a:t>
             </a:r>
           </a:p>
         </p:txBody>
@@ -23795,7 +23815,7 @@
         </p:nvSpPr>
         <p:spPr>
           <a:xfrm>
-            <a:off x="2246313" y="2867025"/>
+            <a:off x="963613" y="2824983"/>
             <a:ext cx="7772400" cy="1500188"/>
           </a:xfrm>
         </p:spPr>
@@ -23805,11 +23825,18 @@
           <a:p>
             <a:pPr eaLnBrk="1" hangingPunct="1"/>
             <a:r>
+              <a:rPr lang="en-US" altLang="en-US" dirty="0" err="1">
+                <a:latin typeface="Verdana" panose="020B0604030504040204" pitchFamily="34" charset="0"/>
+                <a:cs typeface="Verdana" panose="020B0604030504040204" pitchFamily="34" charset="0"/>
+              </a:rPr>
+              <a:t>Kapitel</a:t>
+            </a:r>
+            <a:r>
               <a:rPr lang="en-US" altLang="en-US" dirty="0">
                 <a:latin typeface="Verdana" panose="020B0604030504040204" pitchFamily="34" charset="0"/>
                 <a:cs typeface="Verdana" panose="020B0604030504040204" pitchFamily="34" charset="0"/>
               </a:rPr>
-              <a:t>Kapitel 3.4:</a:t>
+              <a:t> 3.2:</a:t>
             </a:r>
           </a:p>
         </p:txBody>
@@ -26144,11 +26171,18 @@
           <a:p>
             <a:pPr eaLnBrk="1" hangingPunct="1"/>
             <a:r>
+              <a:rPr lang="en-US" altLang="en-US" dirty="0" err="1">
+                <a:latin typeface="Verdana" panose="020B0604030504040204" pitchFamily="34" charset="0"/>
+                <a:cs typeface="Verdana" panose="020B0604030504040204" pitchFamily="34" charset="0"/>
+              </a:rPr>
+              <a:t>Kapitel</a:t>
+            </a:r>
+            <a:r>
               <a:rPr lang="en-US" altLang="en-US" dirty="0">
                 <a:latin typeface="Verdana" panose="020B0604030504040204" pitchFamily="34" charset="0"/>
                 <a:cs typeface="Verdana" panose="020B0604030504040204" pitchFamily="34" charset="0"/>
               </a:rPr>
-              <a:t>Kapitel 3:</a:t>
+              <a:t> 4:</a:t>
             </a:r>
           </a:p>
         </p:txBody>
